--- a/cs-seminar/算法与数据结构/树.pptx
+++ b/cs-seminar/算法与数据结构/树.pptx
@@ -5,7 +5,7 @@
     <p:sldMasterId id="2147483648" r:id="rId1"/>
   </p:sldMasterIdLst>
   <p:notesMasterIdLst>
-    <p:notesMasterId r:id="rId27"/>
+    <p:notesMasterId r:id="rId28"/>
   </p:notesMasterIdLst>
   <p:sldIdLst>
     <p:sldId id="256" r:id="rId2"/>
@@ -33,6 +33,7 @@
     <p:sldId id="275" r:id="rId24"/>
     <p:sldId id="278" r:id="rId25"/>
     <p:sldId id="284" r:id="rId26"/>
+    <p:sldId id="286" r:id="rId27"/>
   </p:sldIdLst>
   <p:sldSz cx="12192000" cy="6858000"/>
   <p:notesSz cx="6858000" cy="9144000"/>
@@ -165,6 +166,7 @@
             <p14:sldId id="275"/>
             <p14:sldId id="278"/>
             <p14:sldId id="284"/>
+            <p14:sldId id="286"/>
           </p14:sldIdLst>
         </p14:section>
       </p14:sectionLst>
@@ -14683,6 +14685,1127 @@
     <p:extLst>
       <p:ext uri="{BB962C8B-B14F-4D97-AF65-F5344CB8AC3E}">
         <p14:creationId xmlns:p14="http://schemas.microsoft.com/office/powerpoint/2010/main" val="3217702479"/>
+      </p:ext>
+    </p:extLst>
+  </p:cSld>
+  <p:clrMapOvr>
+    <a:masterClrMapping/>
+  </p:clrMapOvr>
+</p:sld>
+</file>
+
+<file path=ppt/slides/slide26.xml><?xml version="1.0" encoding="utf-8"?>
+<p:sld xmlns:a="http://schemas.openxmlformats.org/drawingml/2006/main" xmlns:r="http://schemas.openxmlformats.org/officeDocument/2006/relationships" xmlns:p="http://schemas.openxmlformats.org/presentationml/2006/main">
+  <p:cSld>
+    <p:spTree>
+      <p:nvGrpSpPr>
+        <p:cNvPr id="1" name=""/>
+        <p:cNvGrpSpPr/>
+        <p:nvPr/>
+      </p:nvGrpSpPr>
+      <p:grpSpPr>
+        <a:xfrm>
+          <a:off x="0" y="0"/>
+          <a:ext cx="0" cy="0"/>
+          <a:chOff x="0" y="0"/>
+          <a:chExt cx="0" cy="0"/>
+        </a:xfrm>
+      </p:grpSpPr>
+      <p:sp>
+        <p:nvSpPr>
+          <p:cNvPr id="6" name="矩形 5">
+            <a:extLst>
+              <a:ext uri="{FF2B5EF4-FFF2-40B4-BE49-F238E27FC236}">
+                <a16:creationId xmlns:a16="http://schemas.microsoft.com/office/drawing/2014/main" id="{5C5AAEE8-C3E8-43FB-BF78-C1B12BABA294}"/>
+              </a:ext>
+            </a:extLst>
+          </p:cNvPr>
+          <p:cNvSpPr/>
+          <p:nvPr/>
+        </p:nvSpPr>
+        <p:spPr>
+          <a:xfrm>
+            <a:off x="444500" y="1940312"/>
+            <a:ext cx="7828522" cy="990799"/>
+          </a:xfrm>
+          <a:prstGeom prst="rect">
+            <a:avLst/>
+          </a:prstGeom>
+          <a:solidFill>
+            <a:schemeClr val="accent1">
+              <a:lumMod val="60000"/>
+              <a:lumOff val="40000"/>
+              <a:alpha val="26000"/>
+            </a:schemeClr>
+          </a:solidFill>
+          <a:ln w="22225">
+            <a:noFill/>
+          </a:ln>
+        </p:spPr>
+        <p:style>
+          <a:lnRef idx="2">
+            <a:schemeClr val="accent1">
+              <a:shade val="50000"/>
+            </a:schemeClr>
+          </a:lnRef>
+          <a:fillRef idx="1">
+            <a:schemeClr val="accent1"/>
+          </a:fillRef>
+          <a:effectRef idx="0">
+            <a:schemeClr val="accent1"/>
+          </a:effectRef>
+          <a:fontRef idx="minor">
+            <a:schemeClr val="lt1"/>
+          </a:fontRef>
+        </p:style>
+        <p:txBody>
+          <a:bodyPr rtlCol="0" anchor="ctr"/>
+          <a:lstStyle/>
+          <a:p>
+            <a:pPr algn="ctr"/>
+            <a:endParaRPr lang="zh-CN" altLang="en-US" sz="2000" b="1" dirty="0">
+              <a:solidFill>
+                <a:schemeClr val="tx1"/>
+              </a:solidFill>
+              <a:latin typeface="Times New Roman" panose="02020603050405020304" pitchFamily="18" charset="0"/>
+              <a:cs typeface="Times New Roman" panose="02020603050405020304" pitchFamily="18" charset="0"/>
+            </a:endParaRPr>
+          </a:p>
+        </p:txBody>
+      </p:sp>
+      <p:sp>
+        <p:nvSpPr>
+          <p:cNvPr id="2" name="标题 1">
+            <a:extLst>
+              <a:ext uri="{FF2B5EF4-FFF2-40B4-BE49-F238E27FC236}">
+                <a16:creationId xmlns:a16="http://schemas.microsoft.com/office/drawing/2014/main" id="{BA524C68-0B26-4FF7-ACE4-0D37D1247362}"/>
+              </a:ext>
+            </a:extLst>
+          </p:cNvPr>
+          <p:cNvSpPr>
+            <a:spLocks noGrp="1"/>
+          </p:cNvSpPr>
+          <p:nvPr>
+            <p:ph type="title"/>
+          </p:nvPr>
+        </p:nvSpPr>
+        <p:spPr>
+          <a:xfrm>
+            <a:off x="444500" y="27159"/>
+            <a:ext cx="11176000" cy="838813"/>
+          </a:xfrm>
+        </p:spPr>
+        <p:txBody>
+          <a:bodyPr/>
+          <a:lstStyle/>
+          <a:p>
+            <a:r>
+              <a:rPr lang="zh-CN" altLang="en-US" dirty="0"/>
+              <a:t>红黑树删除后的平衡</a:t>
+            </a:r>
+          </a:p>
+        </p:txBody>
+      </p:sp>
+      <p:sp>
+        <p:nvSpPr>
+          <p:cNvPr id="4" name="灯片编号占位符 3">
+            <a:extLst>
+              <a:ext uri="{FF2B5EF4-FFF2-40B4-BE49-F238E27FC236}">
+                <a16:creationId xmlns:a16="http://schemas.microsoft.com/office/drawing/2014/main" id="{5AA8926A-6D84-4313-9694-9C7B9B414FDF}"/>
+              </a:ext>
+            </a:extLst>
+          </p:cNvPr>
+          <p:cNvSpPr>
+            <a:spLocks noGrp="1"/>
+          </p:cNvSpPr>
+          <p:nvPr>
+            <p:ph type="sldNum" sz="quarter" idx="12"/>
+          </p:nvPr>
+        </p:nvSpPr>
+        <p:spPr/>
+        <p:txBody>
+          <a:bodyPr/>
+          <a:lstStyle/>
+          <a:p>
+            <a:fld id="{928BA987-2BB0-46E7-BF50-A8B14E692858}" type="slidenum">
+              <a:rPr lang="zh-CN" altLang="en-US" smtClean="0"/>
+              <a:pPr/>
+              <a:t>26</a:t>
+            </a:fld>
+            <a:endParaRPr lang="zh-CN" altLang="en-US"/>
+          </a:p>
+        </p:txBody>
+      </p:sp>
+      <p:sp>
+        <p:nvSpPr>
+          <p:cNvPr id="7" name="文本框 6">
+            <a:extLst>
+              <a:ext uri="{FF2B5EF4-FFF2-40B4-BE49-F238E27FC236}">
+                <a16:creationId xmlns:a16="http://schemas.microsoft.com/office/drawing/2014/main" id="{A36D085E-C8FE-497C-B7B7-463FC5033B64}"/>
+              </a:ext>
+            </a:extLst>
+          </p:cNvPr>
+          <p:cNvSpPr txBox="1"/>
+          <p:nvPr/>
+        </p:nvSpPr>
+        <p:spPr>
+          <a:xfrm>
+            <a:off x="7572317" y="2253127"/>
+            <a:ext cx="700705" cy="338554"/>
+          </a:xfrm>
+          <a:prstGeom prst="rect">
+            <a:avLst/>
+          </a:prstGeom>
+          <a:noFill/>
+        </p:spPr>
+        <p:txBody>
+          <a:bodyPr wrap="square" rtlCol="0">
+            <a:spAutoFit/>
+          </a:bodyPr>
+          <a:lstStyle/>
+          <a:p>
+            <a:r>
+              <a:rPr lang="en-US" altLang="zh-CN" sz="1600" b="1" dirty="0"/>
+              <a:t>case 1</a:t>
+            </a:r>
+            <a:endParaRPr lang="zh-CN" altLang="en-US" sz="1600" b="1" dirty="0"/>
+          </a:p>
+        </p:txBody>
+      </p:sp>
+      <p:sp>
+        <p:nvSpPr>
+          <p:cNvPr id="8" name="矩形 7">
+            <a:extLst>
+              <a:ext uri="{FF2B5EF4-FFF2-40B4-BE49-F238E27FC236}">
+                <a16:creationId xmlns:a16="http://schemas.microsoft.com/office/drawing/2014/main" id="{0BDE00A8-E138-4F17-8BCB-46AD7A59A917}"/>
+              </a:ext>
+            </a:extLst>
+          </p:cNvPr>
+          <p:cNvSpPr/>
+          <p:nvPr/>
+        </p:nvSpPr>
+        <p:spPr>
+          <a:xfrm>
+            <a:off x="419156" y="3216067"/>
+            <a:ext cx="7828522" cy="441534"/>
+          </a:xfrm>
+          <a:prstGeom prst="rect">
+            <a:avLst/>
+          </a:prstGeom>
+          <a:solidFill>
+            <a:srgbClr val="FFC000">
+              <a:alpha val="26000"/>
+            </a:srgbClr>
+          </a:solidFill>
+          <a:ln w="22225">
+            <a:noFill/>
+          </a:ln>
+        </p:spPr>
+        <p:style>
+          <a:lnRef idx="2">
+            <a:schemeClr val="accent1">
+              <a:shade val="50000"/>
+            </a:schemeClr>
+          </a:lnRef>
+          <a:fillRef idx="1">
+            <a:schemeClr val="accent1"/>
+          </a:fillRef>
+          <a:effectRef idx="0">
+            <a:schemeClr val="accent1"/>
+          </a:effectRef>
+          <a:fontRef idx="minor">
+            <a:schemeClr val="lt1"/>
+          </a:fontRef>
+        </p:style>
+        <p:txBody>
+          <a:bodyPr rtlCol="0" anchor="ctr"/>
+          <a:lstStyle/>
+          <a:p>
+            <a:pPr algn="ctr"/>
+            <a:endParaRPr lang="zh-CN" altLang="en-US" sz="2000" b="1" dirty="0">
+              <a:solidFill>
+                <a:schemeClr val="tx1"/>
+              </a:solidFill>
+              <a:latin typeface="Times New Roman" panose="02020603050405020304" pitchFamily="18" charset="0"/>
+              <a:cs typeface="Times New Roman" panose="02020603050405020304" pitchFamily="18" charset="0"/>
+            </a:endParaRPr>
+          </a:p>
+        </p:txBody>
+      </p:sp>
+      <p:sp>
+        <p:nvSpPr>
+          <p:cNvPr id="9" name="文本框 8">
+            <a:extLst>
+              <a:ext uri="{FF2B5EF4-FFF2-40B4-BE49-F238E27FC236}">
+                <a16:creationId xmlns:a16="http://schemas.microsoft.com/office/drawing/2014/main" id="{4D4CA624-2ECD-4B19-9CE9-EA8946C8DDF5}"/>
+              </a:ext>
+            </a:extLst>
+          </p:cNvPr>
+          <p:cNvSpPr txBox="1"/>
+          <p:nvPr/>
+        </p:nvSpPr>
+        <p:spPr>
+          <a:xfrm>
+            <a:off x="7584990" y="3265834"/>
+            <a:ext cx="700705" cy="338554"/>
+          </a:xfrm>
+          <a:prstGeom prst="rect">
+            <a:avLst/>
+          </a:prstGeom>
+          <a:noFill/>
+        </p:spPr>
+        <p:txBody>
+          <a:bodyPr wrap="square" rtlCol="0">
+            <a:spAutoFit/>
+          </a:bodyPr>
+          <a:lstStyle/>
+          <a:p>
+            <a:r>
+              <a:rPr lang="en-US" altLang="zh-CN" sz="1600" b="1" dirty="0"/>
+              <a:t>case 2</a:t>
+            </a:r>
+            <a:endParaRPr lang="zh-CN" altLang="en-US" sz="1600" b="1" dirty="0"/>
+          </a:p>
+        </p:txBody>
+      </p:sp>
+      <p:sp>
+        <p:nvSpPr>
+          <p:cNvPr id="10" name="矩形 9">
+            <a:extLst>
+              <a:ext uri="{FF2B5EF4-FFF2-40B4-BE49-F238E27FC236}">
+                <a16:creationId xmlns:a16="http://schemas.microsoft.com/office/drawing/2014/main" id="{D7A506CD-3163-4545-BADC-8ACBB43DDA73}"/>
+              </a:ext>
+            </a:extLst>
+          </p:cNvPr>
+          <p:cNvSpPr/>
+          <p:nvPr/>
+        </p:nvSpPr>
+        <p:spPr>
+          <a:xfrm>
+            <a:off x="419156" y="3905202"/>
+            <a:ext cx="7828522" cy="1008000"/>
+          </a:xfrm>
+          <a:prstGeom prst="rect">
+            <a:avLst/>
+          </a:prstGeom>
+          <a:solidFill>
+            <a:srgbClr val="92D050">
+              <a:alpha val="26000"/>
+            </a:srgbClr>
+          </a:solidFill>
+          <a:ln w="22225">
+            <a:noFill/>
+          </a:ln>
+        </p:spPr>
+        <p:style>
+          <a:lnRef idx="2">
+            <a:schemeClr val="accent1">
+              <a:shade val="50000"/>
+            </a:schemeClr>
+          </a:lnRef>
+          <a:fillRef idx="1">
+            <a:schemeClr val="accent1"/>
+          </a:fillRef>
+          <a:effectRef idx="0">
+            <a:schemeClr val="accent1"/>
+          </a:effectRef>
+          <a:fontRef idx="minor">
+            <a:schemeClr val="lt1"/>
+          </a:fontRef>
+        </p:style>
+        <p:txBody>
+          <a:bodyPr rtlCol="0" anchor="ctr"/>
+          <a:lstStyle/>
+          <a:p>
+            <a:pPr algn="ctr"/>
+            <a:endParaRPr lang="zh-CN" altLang="en-US" sz="2000" b="1" dirty="0">
+              <a:solidFill>
+                <a:schemeClr val="tx1"/>
+              </a:solidFill>
+              <a:latin typeface="Times New Roman" panose="02020603050405020304" pitchFamily="18" charset="0"/>
+              <a:cs typeface="Times New Roman" panose="02020603050405020304" pitchFamily="18" charset="0"/>
+            </a:endParaRPr>
+          </a:p>
+        </p:txBody>
+      </p:sp>
+      <p:sp>
+        <p:nvSpPr>
+          <p:cNvPr id="11" name="文本框 10">
+            <a:extLst>
+              <a:ext uri="{FF2B5EF4-FFF2-40B4-BE49-F238E27FC236}">
+                <a16:creationId xmlns:a16="http://schemas.microsoft.com/office/drawing/2014/main" id="{5CD17E3C-DA1A-4EEF-B1DE-CD2C6C59499A}"/>
+              </a:ext>
+            </a:extLst>
+          </p:cNvPr>
+          <p:cNvSpPr txBox="1"/>
+          <p:nvPr/>
+        </p:nvSpPr>
+        <p:spPr>
+          <a:xfrm>
+            <a:off x="7584990" y="4239925"/>
+            <a:ext cx="700705" cy="338554"/>
+          </a:xfrm>
+          <a:prstGeom prst="rect">
+            <a:avLst/>
+          </a:prstGeom>
+          <a:noFill/>
+        </p:spPr>
+        <p:txBody>
+          <a:bodyPr wrap="square" rtlCol="0">
+            <a:spAutoFit/>
+          </a:bodyPr>
+          <a:lstStyle/>
+          <a:p>
+            <a:r>
+              <a:rPr lang="en-US" altLang="zh-CN" sz="1600" b="1" dirty="0"/>
+              <a:t>case 3</a:t>
+            </a:r>
+            <a:endParaRPr lang="zh-CN" altLang="en-US" sz="1600" b="1" dirty="0"/>
+          </a:p>
+        </p:txBody>
+      </p:sp>
+      <p:sp>
+        <p:nvSpPr>
+          <p:cNvPr id="12" name="矩形 11">
+            <a:extLst>
+              <a:ext uri="{FF2B5EF4-FFF2-40B4-BE49-F238E27FC236}">
+                <a16:creationId xmlns:a16="http://schemas.microsoft.com/office/drawing/2014/main" id="{6FB6A0A7-2B22-419B-A567-DF0DFBB4FA21}"/>
+              </a:ext>
+            </a:extLst>
+          </p:cNvPr>
+          <p:cNvSpPr/>
+          <p:nvPr/>
+        </p:nvSpPr>
+        <p:spPr>
+          <a:xfrm>
+            <a:off x="419156" y="4913202"/>
+            <a:ext cx="7828522" cy="1188000"/>
+          </a:xfrm>
+          <a:prstGeom prst="rect">
+            <a:avLst/>
+          </a:prstGeom>
+          <a:solidFill>
+            <a:schemeClr val="accent2">
+              <a:lumMod val="75000"/>
+              <a:alpha val="26000"/>
+            </a:schemeClr>
+          </a:solidFill>
+          <a:ln w="22225">
+            <a:noFill/>
+          </a:ln>
+        </p:spPr>
+        <p:style>
+          <a:lnRef idx="2">
+            <a:schemeClr val="accent1">
+              <a:shade val="50000"/>
+            </a:schemeClr>
+          </a:lnRef>
+          <a:fillRef idx="1">
+            <a:schemeClr val="accent1"/>
+          </a:fillRef>
+          <a:effectRef idx="0">
+            <a:schemeClr val="accent1"/>
+          </a:effectRef>
+          <a:fontRef idx="minor">
+            <a:schemeClr val="lt1"/>
+          </a:fontRef>
+        </p:style>
+        <p:txBody>
+          <a:bodyPr rtlCol="0" anchor="ctr"/>
+          <a:lstStyle/>
+          <a:p>
+            <a:pPr algn="ctr"/>
+            <a:endParaRPr lang="zh-CN" altLang="en-US" sz="2000" b="1" dirty="0">
+              <a:solidFill>
+                <a:schemeClr val="tx1"/>
+              </a:solidFill>
+              <a:latin typeface="Times New Roman" panose="02020603050405020304" pitchFamily="18" charset="0"/>
+              <a:cs typeface="Times New Roman" panose="02020603050405020304" pitchFamily="18" charset="0"/>
+            </a:endParaRPr>
+          </a:p>
+        </p:txBody>
+      </p:sp>
+      <p:sp>
+        <p:nvSpPr>
+          <p:cNvPr id="13" name="文本框 12">
+            <a:extLst>
+              <a:ext uri="{FF2B5EF4-FFF2-40B4-BE49-F238E27FC236}">
+                <a16:creationId xmlns:a16="http://schemas.microsoft.com/office/drawing/2014/main" id="{6FDA7F5C-3BA9-4A09-8765-6660B347C5F6}"/>
+              </a:ext>
+            </a:extLst>
+          </p:cNvPr>
+          <p:cNvSpPr txBox="1"/>
+          <p:nvPr/>
+        </p:nvSpPr>
+        <p:spPr>
+          <a:xfrm>
+            <a:off x="7572316" y="5330973"/>
+            <a:ext cx="700705" cy="338554"/>
+          </a:xfrm>
+          <a:prstGeom prst="rect">
+            <a:avLst/>
+          </a:prstGeom>
+          <a:noFill/>
+        </p:spPr>
+        <p:txBody>
+          <a:bodyPr wrap="square" rtlCol="0">
+            <a:spAutoFit/>
+          </a:bodyPr>
+          <a:lstStyle/>
+          <a:p>
+            <a:r>
+              <a:rPr lang="en-US" altLang="zh-CN" sz="1600" b="1" dirty="0"/>
+              <a:t>case 4</a:t>
+            </a:r>
+            <a:endParaRPr lang="zh-CN" altLang="en-US" sz="1600" b="1" dirty="0"/>
+          </a:p>
+        </p:txBody>
+      </p:sp>
+      <p:sp>
+        <p:nvSpPr>
+          <p:cNvPr id="5" name="文本框 4">
+            <a:extLst>
+              <a:ext uri="{FF2B5EF4-FFF2-40B4-BE49-F238E27FC236}">
+                <a16:creationId xmlns:a16="http://schemas.microsoft.com/office/drawing/2014/main" id="{19246E5B-0596-472F-A255-ACB1E051DE76}"/>
+              </a:ext>
+            </a:extLst>
+          </p:cNvPr>
+          <p:cNvSpPr txBox="1"/>
+          <p:nvPr/>
+        </p:nvSpPr>
+        <p:spPr>
+          <a:xfrm>
+            <a:off x="444501" y="671691"/>
+            <a:ext cx="7115144" cy="6032421"/>
+          </a:xfrm>
+          <a:prstGeom prst="rect">
+            <a:avLst/>
+          </a:prstGeom>
+          <a:noFill/>
+        </p:spPr>
+        <p:txBody>
+          <a:bodyPr wrap="square" rtlCol="0">
+            <a:spAutoFit/>
+          </a:bodyPr>
+          <a:lstStyle/>
+          <a:p>
+            <a:r>
+              <a:rPr lang="en-US" altLang="zh-CN" b="1" dirty="0">
+                <a:latin typeface="Sitka Banner" panose="02000505000000020004" pitchFamily="2" charset="0"/>
+              </a:rPr>
+              <a:t>RB-DELETE-FIXUP(</a:t>
+            </a:r>
+            <a:r>
+              <a:rPr lang="en-US" altLang="zh-CN" b="1" dirty="0" err="1">
+                <a:latin typeface="Sitka Banner" panose="02000505000000020004" pitchFamily="2" charset="0"/>
+              </a:rPr>
+              <a:t>T,x</a:t>
+            </a:r>
+            <a:r>
+              <a:rPr lang="en-US" altLang="zh-CN" b="1" dirty="0">
+                <a:latin typeface="Sitka Banner" panose="02000505000000020004" pitchFamily="2" charset="0"/>
+              </a:rPr>
+              <a:t>)</a:t>
+            </a:r>
+          </a:p>
+          <a:p>
+            <a:pPr marL="342900" indent="-342900">
+              <a:buFont typeface="+mj-lt"/>
+              <a:buAutoNum type="arabicPeriod"/>
+            </a:pPr>
+            <a:r>
+              <a:rPr lang="en-US" altLang="zh-CN" sz="1600" dirty="0">
+                <a:latin typeface="Consolas" panose="020B0609020204030204" pitchFamily="49" charset="0"/>
+              </a:rPr>
+              <a:t>while x != </a:t>
+            </a:r>
+            <a:r>
+              <a:rPr lang="en-US" altLang="zh-CN" sz="1600" dirty="0" err="1">
+                <a:latin typeface="Consolas" panose="020B0609020204030204" pitchFamily="49" charset="0"/>
+              </a:rPr>
+              <a:t>T.root</a:t>
+            </a:r>
+            <a:r>
+              <a:rPr lang="en-US" altLang="zh-CN" sz="1600" dirty="0">
+                <a:latin typeface="Consolas" panose="020B0609020204030204" pitchFamily="49" charset="0"/>
+              </a:rPr>
+              <a:t> &amp;&amp; </a:t>
+            </a:r>
+            <a:r>
+              <a:rPr lang="en-US" altLang="zh-CN" sz="1600" dirty="0" err="1">
+                <a:latin typeface="Consolas" panose="020B0609020204030204" pitchFamily="49" charset="0"/>
+              </a:rPr>
+              <a:t>x.color</a:t>
+            </a:r>
+            <a:r>
+              <a:rPr lang="en-US" altLang="zh-CN" sz="1600" dirty="0">
+                <a:latin typeface="Consolas" panose="020B0609020204030204" pitchFamily="49" charset="0"/>
+              </a:rPr>
+              <a:t> == BLACK</a:t>
+            </a:r>
+          </a:p>
+          <a:p>
+            <a:pPr marL="342900" indent="-342900">
+              <a:buFont typeface="+mj-lt"/>
+              <a:buAutoNum type="arabicPeriod"/>
+            </a:pPr>
+            <a:r>
+              <a:rPr lang="zh-CN" altLang="en-US" sz="1600" dirty="0">
+                <a:latin typeface="Consolas" panose="020B0609020204030204" pitchFamily="49" charset="0"/>
+              </a:rPr>
+              <a:t>    </a:t>
+            </a:r>
+            <a:r>
+              <a:rPr lang="en-US" altLang="zh-CN" sz="1600" dirty="0">
+                <a:latin typeface="Consolas" panose="020B0609020204030204" pitchFamily="49" charset="0"/>
+              </a:rPr>
+              <a:t>if x == </a:t>
+            </a:r>
+            <a:r>
+              <a:rPr lang="en-US" altLang="zh-CN" sz="1600" dirty="0" err="1">
+                <a:latin typeface="Consolas" panose="020B0609020204030204" pitchFamily="49" charset="0"/>
+              </a:rPr>
+              <a:t>x.p.left</a:t>
+            </a:r>
+            <a:endParaRPr lang="en-US" altLang="zh-CN" sz="1600" dirty="0">
+              <a:latin typeface="Consolas" panose="020B0609020204030204" pitchFamily="49" charset="0"/>
+            </a:endParaRPr>
+          </a:p>
+          <a:p>
+            <a:pPr marL="342900" indent="-342900">
+              <a:buFont typeface="+mj-lt"/>
+              <a:buAutoNum type="arabicPeriod"/>
+            </a:pPr>
+            <a:r>
+              <a:rPr lang="en-US" altLang="zh-CN" sz="1600" dirty="0">
+                <a:latin typeface="Consolas" panose="020B0609020204030204" pitchFamily="49" charset="0"/>
+              </a:rPr>
+              <a:t>        w = </a:t>
+            </a:r>
+            <a:r>
+              <a:rPr lang="en-US" altLang="zh-CN" sz="1600" dirty="0" err="1">
+                <a:latin typeface="Consolas" panose="020B0609020204030204" pitchFamily="49" charset="0"/>
+              </a:rPr>
+              <a:t>x.p.right</a:t>
+            </a:r>
+            <a:endParaRPr lang="en-US" altLang="zh-CN" sz="1600" dirty="0">
+              <a:latin typeface="Consolas" panose="020B0609020204030204" pitchFamily="49" charset="0"/>
+            </a:endParaRPr>
+          </a:p>
+          <a:p>
+            <a:pPr marL="342900" indent="-342900">
+              <a:buFont typeface="+mj-lt"/>
+              <a:buAutoNum type="arabicPeriod"/>
+            </a:pPr>
+            <a:r>
+              <a:rPr lang="en-US" altLang="zh-CN" sz="1600" dirty="0">
+                <a:latin typeface="Consolas" panose="020B0609020204030204" pitchFamily="49" charset="0"/>
+              </a:rPr>
+              <a:t>        if </a:t>
+            </a:r>
+            <a:r>
+              <a:rPr lang="en-US" altLang="zh-CN" sz="1600" dirty="0" err="1">
+                <a:latin typeface="Consolas" panose="020B0609020204030204" pitchFamily="49" charset="0"/>
+              </a:rPr>
+              <a:t>w.color</a:t>
+            </a:r>
+            <a:r>
+              <a:rPr lang="en-US" altLang="zh-CN" sz="1600" dirty="0">
+                <a:latin typeface="Consolas" panose="020B0609020204030204" pitchFamily="49" charset="0"/>
+              </a:rPr>
+              <a:t> == RED</a:t>
+            </a:r>
+          </a:p>
+          <a:p>
+            <a:pPr marL="342900" indent="-342900">
+              <a:buFont typeface="+mj-lt"/>
+              <a:buAutoNum type="arabicPeriod"/>
+            </a:pPr>
+            <a:r>
+              <a:rPr lang="en-US" altLang="zh-CN" sz="1600" dirty="0">
+                <a:latin typeface="Consolas" panose="020B0609020204030204" pitchFamily="49" charset="0"/>
+              </a:rPr>
+              <a:t>            </a:t>
+            </a:r>
+            <a:r>
+              <a:rPr lang="en-US" altLang="zh-CN" sz="1600" dirty="0" err="1">
+                <a:latin typeface="Consolas" panose="020B0609020204030204" pitchFamily="49" charset="0"/>
+              </a:rPr>
+              <a:t>w.color</a:t>
+            </a:r>
+            <a:r>
+              <a:rPr lang="en-US" altLang="zh-CN" sz="1600" dirty="0">
+                <a:latin typeface="Consolas" panose="020B0609020204030204" pitchFamily="49" charset="0"/>
+              </a:rPr>
+              <a:t> = BLACK</a:t>
+            </a:r>
+          </a:p>
+          <a:p>
+            <a:pPr marL="342900" indent="-342900">
+              <a:buFont typeface="+mj-lt"/>
+              <a:buAutoNum type="arabicPeriod"/>
+            </a:pPr>
+            <a:r>
+              <a:rPr lang="en-US" altLang="zh-CN" sz="1600" dirty="0">
+                <a:latin typeface="Consolas" panose="020B0609020204030204" pitchFamily="49" charset="0"/>
+              </a:rPr>
+              <a:t>            </a:t>
+            </a:r>
+            <a:r>
+              <a:rPr lang="en-US" altLang="zh-CN" sz="1600" dirty="0" err="1">
+                <a:latin typeface="Consolas" panose="020B0609020204030204" pitchFamily="49" charset="0"/>
+              </a:rPr>
+              <a:t>x.p.color</a:t>
+            </a:r>
+            <a:r>
+              <a:rPr lang="en-US" altLang="zh-CN" sz="1600" dirty="0">
+                <a:latin typeface="Consolas" panose="020B0609020204030204" pitchFamily="49" charset="0"/>
+              </a:rPr>
+              <a:t> = RED</a:t>
+            </a:r>
+          </a:p>
+          <a:p>
+            <a:pPr marL="342900" indent="-342900">
+              <a:buFont typeface="+mj-lt"/>
+              <a:buAutoNum type="arabicPeriod"/>
+            </a:pPr>
+            <a:r>
+              <a:rPr lang="en-US" altLang="zh-CN" sz="1600" dirty="0">
+                <a:latin typeface="Consolas" panose="020B0609020204030204" pitchFamily="49" charset="0"/>
+              </a:rPr>
+              <a:t>            LEFT-ROTATE(</a:t>
+            </a:r>
+            <a:r>
+              <a:rPr lang="en-US" altLang="zh-CN" sz="1600" dirty="0" err="1">
+                <a:latin typeface="Consolas" panose="020B0609020204030204" pitchFamily="49" charset="0"/>
+              </a:rPr>
+              <a:t>T,x.p</a:t>
+            </a:r>
+            <a:r>
+              <a:rPr lang="en-US" altLang="zh-CN" sz="1600" dirty="0">
+                <a:latin typeface="Consolas" panose="020B0609020204030204" pitchFamily="49" charset="0"/>
+              </a:rPr>
+              <a:t>)</a:t>
+            </a:r>
+          </a:p>
+          <a:p>
+            <a:pPr marL="342900" indent="-342900">
+              <a:buFont typeface="+mj-lt"/>
+              <a:buAutoNum type="arabicPeriod"/>
+            </a:pPr>
+            <a:r>
+              <a:rPr lang="en-US" altLang="zh-CN" sz="1600" dirty="0">
+                <a:latin typeface="Consolas" panose="020B0609020204030204" pitchFamily="49" charset="0"/>
+              </a:rPr>
+              <a:t>            w = </a:t>
+            </a:r>
+            <a:r>
+              <a:rPr lang="en-US" altLang="zh-CN" sz="1600" dirty="0" err="1">
+                <a:latin typeface="Consolas" panose="020B0609020204030204" pitchFamily="49" charset="0"/>
+              </a:rPr>
+              <a:t>x.p.right</a:t>
+            </a:r>
+            <a:endParaRPr lang="en-US" altLang="zh-CN" sz="1600" dirty="0">
+              <a:latin typeface="Consolas" panose="020B0609020204030204" pitchFamily="49" charset="0"/>
+            </a:endParaRPr>
+          </a:p>
+          <a:p>
+            <a:pPr marL="342900" indent="-342900">
+              <a:buFont typeface="+mj-lt"/>
+              <a:buAutoNum type="arabicPeriod"/>
+            </a:pPr>
+            <a:r>
+              <a:rPr lang="en-US" altLang="zh-CN" sz="1600" dirty="0">
+                <a:latin typeface="Consolas" panose="020B0609020204030204" pitchFamily="49" charset="0"/>
+              </a:rPr>
+              <a:t>        if </a:t>
+            </a:r>
+            <a:r>
+              <a:rPr lang="en-US" altLang="zh-CN" sz="1600" dirty="0" err="1">
+                <a:latin typeface="Consolas" panose="020B0609020204030204" pitchFamily="49" charset="0"/>
+              </a:rPr>
+              <a:t>w.left.color</a:t>
+            </a:r>
+            <a:r>
+              <a:rPr lang="en-US" altLang="zh-CN" sz="1600" dirty="0">
+                <a:latin typeface="Consolas" panose="020B0609020204030204" pitchFamily="49" charset="0"/>
+              </a:rPr>
+              <a:t> == BLACK &amp;&amp; </a:t>
+            </a:r>
+            <a:r>
+              <a:rPr lang="en-US" altLang="zh-CN" sz="1600" dirty="0" err="1">
+                <a:latin typeface="Consolas" panose="020B0609020204030204" pitchFamily="49" charset="0"/>
+              </a:rPr>
+              <a:t>w.right.color</a:t>
+            </a:r>
+            <a:r>
+              <a:rPr lang="en-US" altLang="zh-CN" sz="1600" dirty="0">
+                <a:latin typeface="Consolas" panose="020B0609020204030204" pitchFamily="49" charset="0"/>
+              </a:rPr>
+              <a:t> == BLACK</a:t>
+            </a:r>
+          </a:p>
+          <a:p>
+            <a:pPr marL="342900" indent="-342900">
+              <a:buFont typeface="+mj-lt"/>
+              <a:buAutoNum type="arabicPeriod"/>
+            </a:pPr>
+            <a:r>
+              <a:rPr lang="en-US" altLang="zh-CN" sz="1600" dirty="0">
+                <a:latin typeface="Consolas" panose="020B0609020204030204" pitchFamily="49" charset="0"/>
+              </a:rPr>
+              <a:t>            </a:t>
+            </a:r>
+            <a:r>
+              <a:rPr lang="en-US" altLang="zh-CN" sz="1600" dirty="0" err="1">
+                <a:latin typeface="Consolas" panose="020B0609020204030204" pitchFamily="49" charset="0"/>
+              </a:rPr>
+              <a:t>w.color</a:t>
+            </a:r>
+            <a:r>
+              <a:rPr lang="en-US" altLang="zh-CN" sz="1600" dirty="0">
+                <a:latin typeface="Consolas" panose="020B0609020204030204" pitchFamily="49" charset="0"/>
+              </a:rPr>
+              <a:t> = RED</a:t>
+            </a:r>
+          </a:p>
+          <a:p>
+            <a:pPr marL="342900" indent="-342900">
+              <a:buFont typeface="+mj-lt"/>
+              <a:buAutoNum type="arabicPeriod"/>
+            </a:pPr>
+            <a:r>
+              <a:rPr lang="en-US" altLang="zh-CN" sz="1600" dirty="0">
+                <a:latin typeface="Consolas" panose="020B0609020204030204" pitchFamily="49" charset="0"/>
+              </a:rPr>
+              <a:t>            x = </a:t>
+            </a:r>
+            <a:r>
+              <a:rPr lang="en-US" altLang="zh-CN" sz="1600" dirty="0" err="1">
+                <a:latin typeface="Consolas" panose="020B0609020204030204" pitchFamily="49" charset="0"/>
+              </a:rPr>
+              <a:t>x.p</a:t>
+            </a:r>
+            <a:endParaRPr lang="en-US" altLang="zh-CN" sz="1600" dirty="0">
+              <a:latin typeface="Consolas" panose="020B0609020204030204" pitchFamily="49" charset="0"/>
+            </a:endParaRPr>
+          </a:p>
+          <a:p>
+            <a:pPr marL="342900" indent="-342900">
+              <a:buFont typeface="+mj-lt"/>
+              <a:buAutoNum type="arabicPeriod"/>
+            </a:pPr>
+            <a:r>
+              <a:rPr lang="en-US" altLang="zh-CN" sz="1600" dirty="0">
+                <a:latin typeface="Consolas" panose="020B0609020204030204" pitchFamily="49" charset="0"/>
+              </a:rPr>
+              <a:t>        else if </a:t>
+            </a:r>
+            <a:r>
+              <a:rPr lang="en-US" altLang="zh-CN" sz="1600" dirty="0" err="1">
+                <a:latin typeface="Consolas" panose="020B0609020204030204" pitchFamily="49" charset="0"/>
+              </a:rPr>
+              <a:t>w.right.color</a:t>
+            </a:r>
+            <a:r>
+              <a:rPr lang="en-US" altLang="zh-CN" sz="1600" dirty="0">
+                <a:latin typeface="Consolas" panose="020B0609020204030204" pitchFamily="49" charset="0"/>
+              </a:rPr>
+              <a:t> == BLACK</a:t>
+            </a:r>
+          </a:p>
+          <a:p>
+            <a:pPr marL="342900" indent="-342900">
+              <a:buFont typeface="+mj-lt"/>
+              <a:buAutoNum type="arabicPeriod"/>
+            </a:pPr>
+            <a:r>
+              <a:rPr lang="en-US" altLang="zh-CN" sz="1600" dirty="0">
+                <a:latin typeface="Consolas" panose="020B0609020204030204" pitchFamily="49" charset="0"/>
+              </a:rPr>
+              <a:t>                 </a:t>
+            </a:r>
+            <a:r>
+              <a:rPr lang="en-US" altLang="zh-CN" sz="1600" dirty="0" err="1">
+                <a:latin typeface="Consolas" panose="020B0609020204030204" pitchFamily="49" charset="0"/>
+              </a:rPr>
+              <a:t>w.left.color</a:t>
+            </a:r>
+            <a:r>
+              <a:rPr lang="en-US" altLang="zh-CN" sz="1600" dirty="0">
+                <a:latin typeface="Consolas" panose="020B0609020204030204" pitchFamily="49" charset="0"/>
+              </a:rPr>
+              <a:t> = BLACK</a:t>
+            </a:r>
+          </a:p>
+          <a:p>
+            <a:pPr marL="342900" indent="-342900">
+              <a:buFont typeface="+mj-lt"/>
+              <a:buAutoNum type="arabicPeriod"/>
+            </a:pPr>
+            <a:r>
+              <a:rPr lang="en-US" altLang="zh-CN" sz="1600" dirty="0">
+                <a:latin typeface="Consolas" panose="020B0609020204030204" pitchFamily="49" charset="0"/>
+              </a:rPr>
+              <a:t>                 </a:t>
+            </a:r>
+            <a:r>
+              <a:rPr lang="en-US" altLang="zh-CN" sz="1600" dirty="0" err="1">
+                <a:latin typeface="Consolas" panose="020B0609020204030204" pitchFamily="49" charset="0"/>
+              </a:rPr>
+              <a:t>w.color</a:t>
+            </a:r>
+            <a:r>
+              <a:rPr lang="en-US" altLang="zh-CN" sz="1600" dirty="0">
+                <a:latin typeface="Consolas" panose="020B0609020204030204" pitchFamily="49" charset="0"/>
+              </a:rPr>
+              <a:t> = RED</a:t>
+            </a:r>
+          </a:p>
+          <a:p>
+            <a:pPr marL="342900" indent="-342900">
+              <a:buFont typeface="+mj-lt"/>
+              <a:buAutoNum type="arabicPeriod"/>
+            </a:pPr>
+            <a:r>
+              <a:rPr lang="en-US" altLang="zh-CN" sz="1600" dirty="0">
+                <a:latin typeface="Consolas" panose="020B0609020204030204" pitchFamily="49" charset="0"/>
+              </a:rPr>
+              <a:t>                 RIGHT-ROTATE(</a:t>
+            </a:r>
+            <a:r>
+              <a:rPr lang="en-US" altLang="zh-CN" sz="1600" dirty="0" err="1">
+                <a:latin typeface="Consolas" panose="020B0609020204030204" pitchFamily="49" charset="0"/>
+              </a:rPr>
+              <a:t>T,w</a:t>
+            </a:r>
+            <a:r>
+              <a:rPr lang="en-US" altLang="zh-CN" sz="1600" dirty="0">
+                <a:latin typeface="Consolas" panose="020B0609020204030204" pitchFamily="49" charset="0"/>
+              </a:rPr>
+              <a:t>)</a:t>
+            </a:r>
+          </a:p>
+          <a:p>
+            <a:pPr marL="342900" indent="-342900">
+              <a:buFont typeface="+mj-lt"/>
+              <a:buAutoNum type="arabicPeriod"/>
+            </a:pPr>
+            <a:r>
+              <a:rPr lang="en-US" altLang="zh-CN" sz="1600" dirty="0">
+                <a:latin typeface="Consolas" panose="020B0609020204030204" pitchFamily="49" charset="0"/>
+              </a:rPr>
+              <a:t>                 w = </a:t>
+            </a:r>
+            <a:r>
+              <a:rPr lang="en-US" altLang="zh-CN" sz="1600" dirty="0" err="1">
+                <a:latin typeface="Consolas" panose="020B0609020204030204" pitchFamily="49" charset="0"/>
+              </a:rPr>
+              <a:t>x.p.right</a:t>
+            </a:r>
+            <a:endParaRPr lang="en-US" altLang="zh-CN" sz="1600" dirty="0">
+              <a:latin typeface="Consolas" panose="020B0609020204030204" pitchFamily="49" charset="0"/>
+            </a:endParaRPr>
+          </a:p>
+          <a:p>
+            <a:pPr marL="342900" indent="-342900">
+              <a:buFont typeface="+mj-lt"/>
+              <a:buAutoNum type="arabicPeriod"/>
+            </a:pPr>
+            <a:r>
+              <a:rPr lang="en-US" altLang="zh-CN" sz="1600" dirty="0">
+                <a:latin typeface="Consolas" panose="020B0609020204030204" pitchFamily="49" charset="0"/>
+              </a:rPr>
+              <a:t>             </a:t>
+            </a:r>
+            <a:r>
+              <a:rPr lang="en-US" altLang="zh-CN" sz="1600" dirty="0" err="1">
+                <a:latin typeface="Consolas" panose="020B0609020204030204" pitchFamily="49" charset="0"/>
+              </a:rPr>
+              <a:t>w.color</a:t>
+            </a:r>
+            <a:r>
+              <a:rPr lang="en-US" altLang="zh-CN" sz="1600" dirty="0">
+                <a:latin typeface="Consolas" panose="020B0609020204030204" pitchFamily="49" charset="0"/>
+              </a:rPr>
+              <a:t> = </a:t>
+            </a:r>
+            <a:r>
+              <a:rPr lang="en-US" altLang="zh-CN" sz="1600" dirty="0" err="1">
+                <a:latin typeface="Consolas" panose="020B0609020204030204" pitchFamily="49" charset="0"/>
+              </a:rPr>
+              <a:t>x.p.color</a:t>
+            </a:r>
+            <a:endParaRPr lang="en-US" altLang="zh-CN" sz="1600" dirty="0">
+              <a:latin typeface="Consolas" panose="020B0609020204030204" pitchFamily="49" charset="0"/>
+            </a:endParaRPr>
+          </a:p>
+          <a:p>
+            <a:pPr marL="342900" indent="-342900">
+              <a:buFont typeface="+mj-lt"/>
+              <a:buAutoNum type="arabicPeriod"/>
+            </a:pPr>
+            <a:r>
+              <a:rPr lang="en-US" altLang="zh-CN" sz="1600" dirty="0">
+                <a:latin typeface="Consolas" panose="020B0609020204030204" pitchFamily="49" charset="0"/>
+              </a:rPr>
+              <a:t>             </a:t>
+            </a:r>
+            <a:r>
+              <a:rPr lang="en-US" altLang="zh-CN" sz="1600" dirty="0" err="1">
+                <a:latin typeface="Consolas" panose="020B0609020204030204" pitchFamily="49" charset="0"/>
+              </a:rPr>
+              <a:t>x.p.color</a:t>
+            </a:r>
+            <a:r>
+              <a:rPr lang="en-US" altLang="zh-CN" sz="1600" dirty="0">
+                <a:latin typeface="Consolas" panose="020B0609020204030204" pitchFamily="49" charset="0"/>
+              </a:rPr>
+              <a:t> = BLACK</a:t>
+            </a:r>
+          </a:p>
+          <a:p>
+            <a:pPr marL="342900" indent="-342900">
+              <a:buFont typeface="+mj-lt"/>
+              <a:buAutoNum type="arabicPeriod"/>
+            </a:pPr>
+            <a:r>
+              <a:rPr lang="en-US" altLang="zh-CN" sz="1600" dirty="0">
+                <a:latin typeface="Consolas" panose="020B0609020204030204" pitchFamily="49" charset="0"/>
+              </a:rPr>
+              <a:t>             </a:t>
+            </a:r>
+            <a:r>
+              <a:rPr lang="en-US" altLang="zh-CN" sz="1600" dirty="0" err="1">
+                <a:latin typeface="Consolas" panose="020B0609020204030204" pitchFamily="49" charset="0"/>
+              </a:rPr>
+              <a:t>w.right.color</a:t>
+            </a:r>
+            <a:r>
+              <a:rPr lang="en-US" altLang="zh-CN" sz="1600" dirty="0">
+                <a:latin typeface="Consolas" panose="020B0609020204030204" pitchFamily="49" charset="0"/>
+              </a:rPr>
+              <a:t> = BLACK</a:t>
+            </a:r>
+          </a:p>
+          <a:p>
+            <a:pPr marL="342900" indent="-342900">
+              <a:buFont typeface="+mj-lt"/>
+              <a:buAutoNum type="arabicPeriod"/>
+            </a:pPr>
+            <a:r>
+              <a:rPr lang="en-US" altLang="zh-CN" sz="1600" dirty="0">
+                <a:latin typeface="Consolas" panose="020B0609020204030204" pitchFamily="49" charset="0"/>
+              </a:rPr>
+              <a:t>             LEFT-ROTATE(</a:t>
+            </a:r>
+            <a:r>
+              <a:rPr lang="en-US" altLang="zh-CN" sz="1600" dirty="0" err="1">
+                <a:latin typeface="Consolas" panose="020B0609020204030204" pitchFamily="49" charset="0"/>
+              </a:rPr>
+              <a:t>T,x,p</a:t>
+            </a:r>
+            <a:r>
+              <a:rPr lang="en-US" altLang="zh-CN" sz="1600" dirty="0">
+                <a:latin typeface="Consolas" panose="020B0609020204030204" pitchFamily="49" charset="0"/>
+              </a:rPr>
+              <a:t>)</a:t>
+            </a:r>
+          </a:p>
+          <a:p>
+            <a:pPr marL="342900" indent="-342900">
+              <a:buFont typeface="+mj-lt"/>
+              <a:buAutoNum type="arabicPeriod"/>
+            </a:pPr>
+            <a:r>
+              <a:rPr lang="en-US" altLang="zh-CN" sz="1600" dirty="0">
+                <a:latin typeface="Consolas" panose="020B0609020204030204" pitchFamily="49" charset="0"/>
+              </a:rPr>
+              <a:t>             x = </a:t>
+            </a:r>
+            <a:r>
+              <a:rPr lang="en-US" altLang="zh-CN" sz="1600" dirty="0" err="1">
+                <a:latin typeface="Consolas" panose="020B0609020204030204" pitchFamily="49" charset="0"/>
+              </a:rPr>
+              <a:t>T.root</a:t>
+            </a:r>
+            <a:endParaRPr lang="en-US" altLang="zh-CN" sz="1600" dirty="0">
+              <a:latin typeface="Consolas" panose="020B0609020204030204" pitchFamily="49" charset="0"/>
+            </a:endParaRPr>
+          </a:p>
+          <a:p>
+            <a:pPr marL="342900" indent="-342900">
+              <a:buFont typeface="+mj-lt"/>
+              <a:buAutoNum type="arabicPeriod"/>
+            </a:pPr>
+            <a:r>
+              <a:rPr lang="en-US" altLang="zh-CN" sz="1600" dirty="0">
+                <a:latin typeface="Consolas" panose="020B0609020204030204" pitchFamily="49" charset="0"/>
+              </a:rPr>
+              <a:t>    else (</a:t>
+            </a:r>
+            <a:r>
+              <a:rPr lang="zh-CN" altLang="en-US" sz="1600" dirty="0">
+                <a:latin typeface="等线" panose="02010600030101010101" pitchFamily="2" charset="-122"/>
+                <a:ea typeface="等线" panose="02010600030101010101" pitchFamily="2" charset="-122"/>
+              </a:rPr>
+              <a:t>交换上文中的 </a:t>
+            </a:r>
+            <a:r>
+              <a:rPr lang="en-US" altLang="zh-CN" sz="1600" dirty="0">
+                <a:latin typeface="等线" panose="02010600030101010101" pitchFamily="2" charset="-122"/>
+                <a:ea typeface="等线" panose="02010600030101010101" pitchFamily="2" charset="-122"/>
+              </a:rPr>
+              <a:t>left </a:t>
+            </a:r>
+            <a:r>
+              <a:rPr lang="zh-CN" altLang="en-US" sz="1600" dirty="0">
+                <a:latin typeface="等线" panose="02010600030101010101" pitchFamily="2" charset="-122"/>
+                <a:ea typeface="等线" panose="02010600030101010101" pitchFamily="2" charset="-122"/>
+              </a:rPr>
+              <a:t>和 </a:t>
+            </a:r>
+            <a:r>
+              <a:rPr lang="en-US" altLang="zh-CN" sz="1600" dirty="0">
+                <a:latin typeface="等线" panose="02010600030101010101" pitchFamily="2" charset="-122"/>
+                <a:ea typeface="等线" panose="02010600030101010101" pitchFamily="2" charset="-122"/>
+              </a:rPr>
+              <a:t>right</a:t>
+            </a:r>
+            <a:r>
+              <a:rPr lang="en-US" altLang="zh-CN" sz="1600" dirty="0">
+                <a:latin typeface="Consolas" panose="020B0609020204030204" pitchFamily="49" charset="0"/>
+              </a:rPr>
+              <a:t>)</a:t>
+            </a:r>
+          </a:p>
+          <a:p>
+            <a:pPr marL="342900" indent="-342900">
+              <a:buFont typeface="+mj-lt"/>
+              <a:buAutoNum type="arabicPeriod"/>
+            </a:pPr>
+            <a:r>
+              <a:rPr lang="en-US" altLang="zh-CN" sz="1600" dirty="0" err="1">
+                <a:latin typeface="Consolas" panose="020B0609020204030204" pitchFamily="49" charset="0"/>
+              </a:rPr>
+              <a:t>x.color</a:t>
+            </a:r>
+            <a:r>
+              <a:rPr lang="en-US" altLang="zh-CN" sz="1600" dirty="0">
+                <a:latin typeface="Consolas" panose="020B0609020204030204" pitchFamily="49" charset="0"/>
+              </a:rPr>
+              <a:t> = BLACK</a:t>
+            </a:r>
+            <a:endParaRPr lang="zh-CN" altLang="en-US" sz="1600" dirty="0">
+              <a:latin typeface="Consolas" panose="020B0609020204030204" pitchFamily="49" charset="0"/>
+            </a:endParaRPr>
+          </a:p>
+        </p:txBody>
+      </p:sp>
+    </p:spTree>
+    <p:extLst>
+      <p:ext uri="{BB962C8B-B14F-4D97-AF65-F5344CB8AC3E}">
+        <p14:creationId xmlns:p14="http://schemas.microsoft.com/office/powerpoint/2010/main" val="1668569692"/>
       </p:ext>
     </p:extLst>
   </p:cSld>

--- a/cs-seminar/算法与数据结构/树.pptx
+++ b/cs-seminar/算法与数据结构/树.pptx
@@ -263,7 +263,7 @@
           <a:p>
             <a:fld id="{9C395F08-296D-4F57-99DE-4DE9612FD2E8}" type="datetimeFigureOut">
               <a:rPr lang="zh-CN" altLang="en-US" smtClean="0"/>
-              <a:t>2020/6/27</a:t>
+              <a:t>2021/3/6</a:t>
             </a:fld>
             <a:endParaRPr lang="zh-CN" altLang="en-US"/>
           </a:p>
@@ -748,7 +748,7 @@
           <a:p>
             <a:fld id="{70DE98D0-9A98-4B82-9573-1B9E451B3DD8}" type="datetime1">
               <a:rPr lang="zh-CN" altLang="en-US" smtClean="0"/>
-              <a:t>2020/6/27</a:t>
+              <a:t>2021/3/6</a:t>
             </a:fld>
             <a:endParaRPr lang="zh-CN" altLang="en-US"/>
           </a:p>
@@ -920,7 +920,7 @@
           <a:p>
             <a:fld id="{CAD6EDDE-8258-4135-98D1-138C89A7D11F}" type="datetime1">
               <a:rPr lang="zh-CN" altLang="en-US" smtClean="0"/>
-              <a:t>2020/6/27</a:t>
+              <a:t>2021/3/6</a:t>
             </a:fld>
             <a:endParaRPr lang="zh-CN" altLang="en-US"/>
           </a:p>
@@ -1102,7 +1102,7 @@
           <a:p>
             <a:fld id="{A4F786FF-FC21-41E5-B843-4724DBB978DB}" type="datetime1">
               <a:rPr lang="zh-CN" altLang="en-US" smtClean="0"/>
-              <a:t>2020/6/27</a:t>
+              <a:t>2021/3/6</a:t>
             </a:fld>
             <a:endParaRPr lang="zh-CN" altLang="en-US"/>
           </a:p>
@@ -1581,7 +1581,7 @@
           <a:p>
             <a:fld id="{6A3DF257-FFF4-43D3-A734-023879B918D0}" type="datetime1">
               <a:rPr lang="zh-CN" altLang="en-US" smtClean="0"/>
-              <a:t>2020/6/27</a:t>
+              <a:t>2021/3/6</a:t>
             </a:fld>
             <a:endParaRPr lang="zh-CN" altLang="en-US"/>
           </a:p>
@@ -1814,7 +1814,7 @@
           <a:p>
             <a:fld id="{558E8501-F9B5-4D99-BE36-F931E4F74C2A}" type="datetime1">
               <a:rPr lang="zh-CN" altLang="en-US" smtClean="0"/>
-              <a:t>2020/6/27</a:t>
+              <a:t>2021/3/6</a:t>
             </a:fld>
             <a:endParaRPr lang="zh-CN" altLang="en-US"/>
           </a:p>
@@ -2182,7 +2182,7 @@
           <a:p>
             <a:fld id="{290F56E6-87CB-4499-B353-DB44E8B6FDF1}" type="datetime1">
               <a:rPr lang="zh-CN" altLang="en-US" smtClean="0"/>
-              <a:t>2020/6/27</a:t>
+              <a:t>2021/3/6</a:t>
             </a:fld>
             <a:endParaRPr lang="zh-CN" altLang="en-US"/>
           </a:p>
@@ -2303,7 +2303,7 @@
           <a:p>
             <a:fld id="{3ADCBD56-D48A-4982-A9C5-6E7E68182A52}" type="datetime1">
               <a:rPr lang="zh-CN" altLang="en-US" smtClean="0"/>
-              <a:t>2020/6/27</a:t>
+              <a:t>2021/3/6</a:t>
             </a:fld>
             <a:endParaRPr lang="zh-CN" altLang="en-US"/>
           </a:p>
@@ -2402,7 +2402,7 @@
           <a:p>
             <a:fld id="{BE83D10E-741F-4194-B7A0-87FEF338E493}" type="datetime1">
               <a:rPr lang="zh-CN" altLang="en-US" smtClean="0"/>
-              <a:t>2020/6/27</a:t>
+              <a:t>2021/3/6</a:t>
             </a:fld>
             <a:endParaRPr lang="zh-CN" altLang="en-US"/>
           </a:p>
@@ -2681,7 +2681,7 @@
           <a:p>
             <a:fld id="{3BDB64AC-4CDF-4D37-8EE1-BC1891535049}" type="datetime1">
               <a:rPr lang="zh-CN" altLang="en-US" smtClean="0"/>
-              <a:t>2020/6/27</a:t>
+              <a:t>2021/3/6</a:t>
             </a:fld>
             <a:endParaRPr lang="zh-CN" altLang="en-US"/>
           </a:p>
@@ -2937,7 +2937,7 @@
           <a:p>
             <a:fld id="{A57B5AE3-5035-4FBD-9579-809DCC9BC55E}" type="datetime1">
               <a:rPr lang="zh-CN" altLang="en-US" smtClean="0"/>
-              <a:t>2020/6/27</a:t>
+              <a:t>2021/3/6</a:t>
             </a:fld>
             <a:endParaRPr lang="zh-CN" altLang="en-US"/>
           </a:p>
@@ -3152,7 +3152,7 @@
           <a:p>
             <a:fld id="{9FF488AB-DBA9-432E-8968-8C1072E4CA37}" type="datetime1">
               <a:rPr lang="zh-CN" altLang="en-US" smtClean="0"/>
-              <a:t>2020/6/27</a:t>
+              <a:t>2021/3/6</a:t>
             </a:fld>
             <a:endParaRPr lang="zh-CN" altLang="en-US"/>
           </a:p>
